--- a/sides/portfolio vc.pptx
+++ b/sides/portfolio vc.pptx
@@ -150,63 +150,6 @@
     </mc:Fallback>
   </mc:AlternateContent>
   <c:chart>
-    <c:autoTitleDeleted val="1"/>
-    <c:plotArea>
-      <c:layout/>
-      <c:doughnutChart>
-        <c:varyColors val="1"/>
-        <c:dLbls>
-          <c:showLegendKey val="0"/>
-          <c:showVal val="0"/>
-          <c:showCatName val="0"/>
-          <c:showSerName val="0"/>
-          <c:showPercent val="0"/>
-          <c:showBubbleSize val="0"/>
-          <c:showLeaderLines val="0"/>
-        </c:dLbls>
-        <c:firstSliceAng val="0"/>
-        <c:holeSize val="50"/>
-      </c:doughnutChart>
-      <c:spPr>
-        <a:solidFill>
-          <a:schemeClr val="bg1"/>
-        </a:solidFill>
-      </c:spPr>
-    </c:plotArea>
-    <c:plotVisOnly val="1"/>
-    <c:dispBlanksAs val="gap"/>
-    <c:showDLblsOverMax val="0"/>
-  </c:chart>
-  <c:txPr>
-    <a:bodyPr/>
-    <a:lstStyle/>
-    <a:p>
-      <a:pPr>
-        <a:defRPr sz="1800"/>
-      </a:pPr>
-      <a:endParaRPr lang="pt-PT"/>
-    </a:p>
-  </c:txPr>
-  <c:externalData r:id="rId1">
-    <c:autoUpdate val="0"/>
-  </c:externalData>
-</c:chartSpace>
-</file>
-
-<file path=ppt/charts/chart2.xml><?xml version="1.0" encoding="utf-8"?>
-<c:chartSpace xmlns:c="http://schemas.openxmlformats.org/drawingml/2006/chart" xmlns:a="http://schemas.openxmlformats.org/drawingml/2006/main" xmlns:r="http://schemas.openxmlformats.org/officeDocument/2006/relationships" xmlns:c16r2="http://schemas.microsoft.com/office/drawing/2015/06/chart">
-  <c:date1904 val="0"/>
-  <c:lang val="pt-BR"/>
-  <c:roundedCorners val="0"/>
-  <mc:AlternateContent xmlns:mc="http://schemas.openxmlformats.org/markup-compatibility/2006">
-    <mc:Choice xmlns:c14="http://schemas.microsoft.com/office/drawing/2007/8/2/chart" Requires="c14">
-      <c14:style val="102"/>
-    </mc:Choice>
-    <mc:Fallback>
-      <c:style val="2"/>
-    </mc:Fallback>
-  </mc:AlternateContent>
-  <c:chart>
     <c:autoTitleDeleted val="0"/>
     <c:plotArea>
       <c:layout>
@@ -243,7 +186,9 @@
               <a:schemeClr val="accent1"/>
             </a:solidFill>
             <a:ln>
-              <a:noFill/>
+              <a:solidFill>
+                <a:srgbClr val="7030A0"/>
+              </a:solidFill>
             </a:ln>
             <a:effectLst/>
           </c:spPr>
@@ -252,6 +197,17 @@
             <c:idx val="0"/>
             <c:invertIfNegative val="0"/>
             <c:bubble3D val="0"/>
+            <c:spPr>
+              <a:solidFill>
+                <a:srgbClr val="7030A0"/>
+              </a:solidFill>
+              <a:ln>
+                <a:solidFill>
+                  <a:srgbClr val="7030A0"/>
+                </a:solidFill>
+              </a:ln>
+              <a:effectLst/>
+            </c:spPr>
             <c:extLst>
               <c:ext xmlns:c16="http://schemas.microsoft.com/office/drawing/2014/chart" uri="{C3380CC4-5D6E-409C-BE32-E72D297353CC}">
                 <c16:uniqueId val="{00000002-53E9-4960-8DDC-776FCCDCE7BD}"/>
@@ -303,10 +259,7 @@
           </c:tx>
           <c:spPr>
             <a:solidFill>
-              <a:schemeClr val="tx1">
-                <a:lumMod val="75000"/>
-                <a:lumOff val="25000"/>
-              </a:schemeClr>
+              <a:srgbClr val="800080"/>
             </a:solidFill>
             <a:ln>
               <a:noFill/>
@@ -350,71 +303,6 @@
           <c:extLst>
             <c:ext xmlns:c16="http://schemas.microsoft.com/office/drawing/2014/chart" uri="{C3380CC4-5D6E-409C-BE32-E72D297353CC}">
               <c16:uniqueId val="{00000005-53E9-4960-8DDC-776FCCDCE7BD}"/>
-            </c:ext>
-          </c:extLst>
-        </c:ser>
-        <c:ser>
-          <c:idx val="3"/>
-          <c:order val="2"/>
-          <c:tx>
-            <c:strRef>
-              <c:f>Sheet1!$E$1</c:f>
-              <c:strCache>
-                <c:ptCount val="1"/>
-                <c:pt idx="0">
-                  <c:v>Series 4</c:v>
-                </c:pt>
-              </c:strCache>
-            </c:strRef>
-          </c:tx>
-          <c:spPr>
-            <a:solidFill>
-              <a:schemeClr val="bg1">
-                <a:lumMod val="85000"/>
-              </a:schemeClr>
-            </a:solidFill>
-            <a:ln>
-              <a:noFill/>
-            </a:ln>
-            <a:effectLst/>
-          </c:spPr>
-          <c:invertIfNegative val="0"/>
-          <c:dPt>
-            <c:idx val="0"/>
-            <c:invertIfNegative val="0"/>
-            <c:bubble3D val="0"/>
-            <c:extLst>
-              <c:ext xmlns:c16="http://schemas.microsoft.com/office/drawing/2014/chart" uri="{C3380CC4-5D6E-409C-BE32-E72D297353CC}">
-                <c16:uniqueId val="{00000006-53E9-4960-8DDC-776FCCDCE7BD}"/>
-              </c:ext>
-            </c:extLst>
-          </c:dPt>
-          <c:cat>
-            <c:strRef>
-              <c:f>Sheet1!$A$2</c:f>
-              <c:strCache>
-                <c:ptCount val="1"/>
-                <c:pt idx="0">
-                  <c:v>Text 1</c:v>
-                </c:pt>
-              </c:strCache>
-            </c:strRef>
-          </c:cat>
-          <c:val>
-            <c:numRef>
-              <c:f>Sheet1!$E$2</c:f>
-              <c:numCache>
-                <c:formatCode>General</c:formatCode>
-                <c:ptCount val="1"/>
-                <c:pt idx="0">
-                  <c:v>15</c:v>
-                </c:pt>
-              </c:numCache>
-            </c:numRef>
-          </c:val>
-          <c:extLst>
-            <c:ext xmlns:c16="http://schemas.microsoft.com/office/drawing/2014/chart" uri="{C3380CC4-5D6E-409C-BE32-E72D297353CC}">
-              <c16:uniqueId val="{00000007-53E9-4960-8DDC-776FCCDCE7BD}"/>
             </c:ext>
           </c:extLst>
         </c:ser>
@@ -1073,7 +961,7 @@
           <a:p>
             <a:fld id="{DC131900-18DB-478F-A0E3-FBBE05F5445A}" type="datetimeFigureOut">
               <a:rPr lang="pt-PT" smtClean="0"/>
-              <a:t>17/02/2023</a:t>
+              <a:t>03/05/2023</a:t>
             </a:fld>
             <a:endParaRPr lang="pt-PT"/>
           </a:p>
@@ -3154,7 +3042,7 @@
           <a:p>
             <a:fld id="{0C24584F-1692-46A7-8A3E-C92D2E99A2A3}" type="datetimeFigureOut">
               <a:rPr lang="en-GB" smtClean="0"/>
-              <a:t>17/02/2023</a:t>
+              <a:t>03/05/2023</a:t>
             </a:fld>
             <a:endParaRPr lang="en-GB"/>
           </a:p>
@@ -5479,7 +5367,7 @@
                   </a:solidFill>
                   <a:cs typeface="Arial" pitchFamily="34" charset="0"/>
                 </a:rPr>
-                <a:t>02</a:t>
+                <a:t>2</a:t>
               </a:r>
               <a:endParaRPr lang="ko-KR" altLang="en-US" sz="3200" b="1" dirty="0">
                 <a:solidFill>
@@ -5711,7 +5599,7 @@
                   </a:solidFill>
                   <a:cs typeface="Arial" pitchFamily="34" charset="0"/>
                 </a:rPr>
-                <a:t>03</a:t>
+                <a:t>3</a:t>
               </a:r>
               <a:endParaRPr lang="ko-KR" altLang="en-US" sz="3200" b="1" dirty="0">
                 <a:solidFill>
@@ -5872,7 +5760,7 @@
                   </a:solidFill>
                   <a:cs typeface="Arial" pitchFamily="34" charset="0"/>
                 </a:rPr>
-                <a:t>01</a:t>
+                <a:t>1</a:t>
               </a:r>
               <a:endParaRPr lang="ko-KR" altLang="en-US" sz="3200" b="1" dirty="0">
                 <a:solidFill>
@@ -6294,7 +6182,7 @@
         </p:nvSpPr>
         <p:spPr>
           <a:xfrm>
-            <a:off x="4317000" y="419536"/>
+            <a:off x="4301570" y="512653"/>
             <a:ext cx="3558000" cy="2124400"/>
           </a:xfrm>
           <a:prstGeom prst="roundRect">
@@ -6387,7 +6275,7 @@
         </p:nvSpPr>
         <p:spPr>
           <a:xfrm>
-            <a:off x="4016333" y="2809152"/>
+            <a:off x="4239605" y="2831336"/>
             <a:ext cx="1443200" cy="533600"/>
           </a:xfrm>
           <a:prstGeom prst="rect">
@@ -6417,13 +6305,20 @@
           <a:p>
             <a:pPr algn="ctr"/>
             <a:r>
-              <a:rPr lang="pt-PT" sz="1600">
+              <a:rPr lang="pt-BR" sz="1600" dirty="0">
                 <a:latin typeface="Arial" panose="020B0604020202020204" pitchFamily="34" charset="0"/>
                 <a:cs typeface="Arial" panose="020B0604020202020204" pitchFamily="34" charset="0"/>
               </a:rPr>
-              <a:t>Work</a:t>
+              <a:t>P</a:t>
             </a:r>
-            <a:endParaRPr sz="1600">
+            <a:r>
+              <a:rPr lang="pt-PT" sz="1600" dirty="0">
+                <a:latin typeface="Arial" panose="020B0604020202020204" pitchFamily="34" charset="0"/>
+                <a:cs typeface="Arial" panose="020B0604020202020204" pitchFamily="34" charset="0"/>
+              </a:rPr>
+              <a:t>rojects</a:t>
+            </a:r>
+            <a:endParaRPr sz="1600" dirty="0">
               <a:latin typeface="Arial" panose="020B0604020202020204" pitchFamily="34" charset="0"/>
               <a:cs typeface="Arial" panose="020B0604020202020204" pitchFamily="34" charset="0"/>
             </a:endParaRPr>
@@ -6438,7 +6333,7 @@
         </p:nvSpPr>
         <p:spPr>
           <a:xfrm>
-            <a:off x="5559700" y="2809152"/>
+            <a:off x="5830061" y="2831336"/>
             <a:ext cx="1443200" cy="533600"/>
           </a:xfrm>
           <a:prstGeom prst="rect">
@@ -6489,7 +6384,7 @@
         </p:nvSpPr>
         <p:spPr>
           <a:xfrm>
-            <a:off x="7103067" y="2809152"/>
+            <a:off x="7399886" y="2833161"/>
             <a:ext cx="1443200" cy="533600"/>
           </a:xfrm>
           <a:prstGeom prst="rect">
@@ -6519,62 +6414,18 @@
           <a:p>
             <a:pPr algn="ctr"/>
             <a:r>
-              <a:rPr lang="pt-PT" sz="1600">
+              <a:rPr lang="pt-BR" sz="1600" dirty="0">
                 <a:latin typeface="Arial" panose="020B0604020202020204" pitchFamily="34" charset="0"/>
                 <a:cs typeface="Arial" panose="020B0604020202020204" pitchFamily="34" charset="0"/>
               </a:rPr>
-              <a:t>Resume</a:t>
+              <a:t>C</a:t>
             </a:r>
-            <a:endParaRPr sz="1600">
-              <a:latin typeface="Arial" panose="020B0604020202020204" pitchFamily="34" charset="0"/>
-              <a:cs typeface="Arial" panose="020B0604020202020204" pitchFamily="34" charset="0"/>
-            </a:endParaRPr>
-          </a:p>
-        </p:txBody>
-      </p:sp>
-      <p:sp>
-        <p:nvSpPr>
-          <p:cNvPr id="62" name="Google Shape;62;p13"/>
-          <p:cNvSpPr/>
-          <p:nvPr/>
-        </p:nvSpPr>
-        <p:spPr>
-          <a:xfrm>
-            <a:off x="8646433" y="2809152"/>
-            <a:ext cx="1443200" cy="533600"/>
-          </a:xfrm>
-          <a:prstGeom prst="rect">
-            <a:avLst/>
-          </a:prstGeom>
-          <a:solidFill>
-            <a:schemeClr val="accent1">
-              <a:lumMod val="20000"/>
-              <a:lumOff val="80000"/>
-            </a:schemeClr>
-          </a:solidFill>
-          <a:ln w="9525" cap="flat" cmpd="sng">
-            <a:solidFill>
-              <a:schemeClr val="dk2"/>
-            </a:solidFill>
-            <a:prstDash val="solid"/>
-            <a:round/>
-            <a:headEnd type="none" w="sm" len="sm"/>
-            <a:tailEnd type="none" w="sm" len="sm"/>
-          </a:ln>
-        </p:spPr>
-        <p:txBody>
-          <a:bodyPr spcFirstLastPara="1" wrap="square" lIns="121900" tIns="121900" rIns="121900" bIns="121900" anchor="ctr" anchorCtr="0">
-            <a:noAutofit/>
-          </a:bodyPr>
-          <a:lstStyle/>
-          <a:p>
-            <a:pPr algn="ctr"/>
             <a:r>
               <a:rPr lang="pt-PT" sz="1600" dirty="0">
                 <a:latin typeface="Arial" panose="020B0604020202020204" pitchFamily="34" charset="0"/>
                 <a:cs typeface="Arial" panose="020B0604020202020204" pitchFamily="34" charset="0"/>
               </a:rPr>
-              <a:t>Contact</a:t>
+              <a:t>ontact</a:t>
             </a:r>
             <a:endParaRPr sz="1600" dirty="0">
               <a:latin typeface="Arial" panose="020B0604020202020204" pitchFamily="34" charset="0"/>
@@ -6585,54 +6436,17 @@
       </p:sp>
       <p:cxnSp>
         <p:nvCxnSpPr>
-          <p:cNvPr id="63" name="Google Shape;63;p13"/>
-          <p:cNvCxnSpPr>
-            <a:stCxn id="58" idx="2"/>
-            <a:endCxn id="59" idx="0"/>
-          </p:cNvCxnSpPr>
-          <p:nvPr/>
-        </p:nvCxnSpPr>
-        <p:spPr>
-          <a:xfrm flipH="1">
-            <a:off x="4737933" y="1739034"/>
-            <a:ext cx="2315067" cy="1070118"/>
-          </a:xfrm>
-          <a:prstGeom prst="straightConnector1">
-            <a:avLst/>
-          </a:prstGeom>
-          <a:ln>
-            <a:headEnd type="none" w="med" len="med"/>
-            <a:tailEnd type="arrow" w="med" len="med"/>
-          </a:ln>
-        </p:spPr>
-        <p:style>
-          <a:lnRef idx="3">
-            <a:schemeClr val="accent5"/>
-          </a:lnRef>
-          <a:fillRef idx="0">
-            <a:schemeClr val="accent5"/>
-          </a:fillRef>
-          <a:effectRef idx="2">
-            <a:schemeClr val="accent5"/>
-          </a:effectRef>
-          <a:fontRef idx="minor">
-            <a:schemeClr val="tx1"/>
-          </a:fontRef>
-        </p:style>
-      </p:cxnSp>
-      <p:cxnSp>
-        <p:nvCxnSpPr>
           <p:cNvPr id="64" name="Google Shape;64;p13"/>
           <p:cNvCxnSpPr>
-            <a:stCxn id="58" idx="2"/>
+            <a:cxnSpLocks/>
             <a:endCxn id="60" idx="0"/>
           </p:cNvCxnSpPr>
           <p:nvPr/>
         </p:nvCxnSpPr>
         <p:spPr>
           <a:xfrm flipH="1">
-            <a:off x="6281300" y="1739034"/>
-            <a:ext cx="771700" cy="1070118"/>
+            <a:off x="6551661" y="1761218"/>
+            <a:ext cx="458908" cy="1070118"/>
           </a:xfrm>
           <a:prstGeom prst="straightConnector1">
             <a:avLst/>
@@ -6666,57 +6480,14 @@
         <p:nvCxnSpPr>
           <p:cNvPr id="65" name="Google Shape;65;p13"/>
           <p:cNvCxnSpPr>
-            <a:stCxn id="58" idx="2"/>
-            <a:endCxn id="61" idx="0"/>
+            <a:cxnSpLocks/>
           </p:cNvCxnSpPr>
           <p:nvPr/>
         </p:nvCxnSpPr>
         <p:spPr>
           <a:xfrm>
-            <a:off x="7053000" y="1739034"/>
-            <a:ext cx="771667" cy="1070118"/>
-          </a:xfrm>
-          <a:prstGeom prst="straightConnector1">
-            <a:avLst/>
-          </a:prstGeom>
-          <a:ln w="9525" cap="flat" cmpd="sng" algn="ctr">
-            <a:solidFill>
-              <a:schemeClr val="accent5"/>
-            </a:solidFill>
-            <a:prstDash val="solid"/>
-            <a:round/>
-            <a:headEnd type="none" w="med" len="med"/>
-            <a:tailEnd type="arrow" w="med" len="med"/>
-          </a:ln>
-        </p:spPr>
-        <p:style>
-          <a:lnRef idx="0">
-            <a:scrgbClr r="0" g="0" b="0"/>
-          </a:lnRef>
-          <a:fillRef idx="0">
-            <a:scrgbClr r="0" g="0" b="0"/>
-          </a:fillRef>
-          <a:effectRef idx="0">
-            <a:scrgbClr r="0" g="0" b="0"/>
-          </a:effectRef>
-          <a:fontRef idx="minor">
-            <a:schemeClr val="tx1"/>
-          </a:fontRef>
-        </p:style>
-      </p:cxnSp>
-      <p:cxnSp>
-        <p:nvCxnSpPr>
-          <p:cNvPr id="66" name="Google Shape;66;p13"/>
-          <p:cNvCxnSpPr>
-            <a:stCxn id="58" idx="2"/>
-            <a:endCxn id="62" idx="0"/>
-          </p:cNvCxnSpPr>
-          <p:nvPr/>
-        </p:nvCxnSpPr>
-        <p:spPr>
-          <a:xfrm>
-            <a:off x="7053000" y="1739034"/>
-            <a:ext cx="2315033" cy="1070118"/>
+            <a:off x="7185804" y="1754527"/>
+            <a:ext cx="859124" cy="1054625"/>
           </a:xfrm>
           <a:prstGeom prst="straightConnector1">
             <a:avLst/>
@@ -6754,7 +6525,7 @@
         </p:nvSpPr>
         <p:spPr>
           <a:xfrm>
-            <a:off x="392833" y="2981367"/>
+            <a:off x="1803192" y="3323192"/>
             <a:ext cx="1819200" cy="1590533"/>
           </a:xfrm>
           <a:prstGeom prst="rect">
@@ -6832,50 +6603,19 @@
           <a:p>
             <a:pPr algn="ctr"/>
             <a:r>
-              <a:rPr lang="pt-PT" sz="2400">
+              <a:rPr lang="pt-BR" sz="2400" dirty="0">
                 <a:latin typeface="Arial" panose="020B0604020202020204" pitchFamily="34" charset="0"/>
                 <a:cs typeface="Arial" panose="020B0604020202020204" pitchFamily="34" charset="0"/>
               </a:rPr>
-              <a:t>Name</a:t>
+              <a:t>Header</a:t>
             </a:r>
-            <a:endParaRPr sz="2400">
+            <a:endParaRPr sz="2400" dirty="0">
               <a:latin typeface="Arial" panose="020B0604020202020204" pitchFamily="34" charset="0"/>
               <a:cs typeface="Arial" panose="020B0604020202020204" pitchFamily="34" charset="0"/>
             </a:endParaRPr>
           </a:p>
         </p:txBody>
       </p:sp>
-      <p:cxnSp>
-        <p:nvCxnSpPr>
-          <p:cNvPr id="69" name="Google Shape;69;p13"/>
-          <p:cNvCxnSpPr>
-            <a:stCxn id="68" idx="3"/>
-            <a:endCxn id="58" idx="1"/>
-          </p:cNvCxnSpPr>
-          <p:nvPr/>
-        </p:nvCxnSpPr>
-        <p:spPr>
-          <a:xfrm>
-            <a:off x="5879700" y="1472234"/>
-            <a:ext cx="451600" cy="800"/>
-          </a:xfrm>
-          <a:prstGeom prst="bentConnector3">
-            <a:avLst>
-              <a:gd name="adj1" fmla="val 50011"/>
-            </a:avLst>
-          </a:prstGeom>
-          <a:noFill/>
-          <a:ln w="9525" cap="flat" cmpd="sng">
-            <a:solidFill>
-              <a:schemeClr val="dk2"/>
-            </a:solidFill>
-            <a:prstDash val="solid"/>
-            <a:round/>
-            <a:headEnd type="none" w="med" len="med"/>
-            <a:tailEnd type="none" w="med" len="med"/>
-          </a:ln>
-        </p:spPr>
-      </p:cxnSp>
       <p:sp>
         <p:nvSpPr>
           <p:cNvPr id="70" name="Google Shape;70;p13"/>
@@ -6884,8 +6624,8 @@
         </p:nvSpPr>
         <p:spPr>
           <a:xfrm>
-            <a:off x="2675800" y="3831300"/>
-            <a:ext cx="1074565" cy="533600"/>
+            <a:off x="8843086" y="3832472"/>
+            <a:ext cx="1427815" cy="533600"/>
           </a:xfrm>
           <a:prstGeom prst="rect">
             <a:avLst/>
@@ -6914,51 +6654,19 @@
           <a:p>
             <a:pPr algn="ctr"/>
             <a:r>
-              <a:rPr lang="pt-PT" sz="1600">
+              <a:rPr lang="pt-PT" sz="1600" dirty="0">
                 <a:latin typeface="Arial" panose="020B0604020202020204" pitchFamily="34" charset="0"/>
                 <a:cs typeface="Arial" panose="020B0604020202020204" pitchFamily="34" charset="0"/>
               </a:rPr>
               <a:t>Contact me</a:t>
             </a:r>
-            <a:endParaRPr sz="1600">
+            <a:endParaRPr sz="1600" dirty="0">
               <a:latin typeface="Arial" panose="020B0604020202020204" pitchFamily="34" charset="0"/>
               <a:cs typeface="Arial" panose="020B0604020202020204" pitchFamily="34" charset="0"/>
             </a:endParaRPr>
           </a:p>
         </p:txBody>
       </p:sp>
-      <p:cxnSp>
-        <p:nvCxnSpPr>
-          <p:cNvPr id="71" name="Google Shape;71;p13"/>
-          <p:cNvCxnSpPr>
-            <a:cxnSpLocks/>
-            <a:stCxn id="67" idx="3"/>
-            <a:endCxn id="70" idx="1"/>
-          </p:cNvCxnSpPr>
-          <p:nvPr/>
-        </p:nvCxnSpPr>
-        <p:spPr>
-          <a:xfrm>
-            <a:off x="2212033" y="3776634"/>
-            <a:ext cx="463767" cy="321466"/>
-          </a:xfrm>
-          <a:prstGeom prst="bentConnector3">
-            <a:avLst>
-              <a:gd name="adj1" fmla="val 50000"/>
-            </a:avLst>
-          </a:prstGeom>
-          <a:noFill/>
-          <a:ln w="9525" cap="flat" cmpd="sng">
-            <a:solidFill>
-              <a:schemeClr val="accent1"/>
-            </a:solidFill>
-            <a:prstDash val="solid"/>
-            <a:round/>
-            <a:headEnd type="none" w="med" len="med"/>
-            <a:tailEnd type="none" w="med" len="med"/>
-          </a:ln>
-        </p:spPr>
-      </p:cxnSp>
       <p:sp>
         <p:nvSpPr>
           <p:cNvPr id="73" name="Google Shape;73;p13"/>
@@ -6967,7 +6675,7 @@
         </p:nvSpPr>
         <p:spPr>
           <a:xfrm>
-            <a:off x="6551661" y="5327667"/>
+            <a:off x="6068585" y="4861845"/>
             <a:ext cx="1443200" cy="533600"/>
           </a:xfrm>
           <a:prstGeom prst="rect">
@@ -7048,13 +6756,20 @@
           <a:p>
             <a:pPr algn="ctr"/>
             <a:r>
-              <a:rPr lang="pt-PT" sz="1600">
+              <a:rPr lang="pt-BR" sz="1600" dirty="0">
                 <a:latin typeface="Arial" panose="020B0604020202020204" pitchFamily="34" charset="0"/>
                 <a:cs typeface="Arial" panose="020B0604020202020204" pitchFamily="34" charset="0"/>
               </a:rPr>
-              <a:t>Instagram</a:t>
+              <a:t>W</a:t>
             </a:r>
-            <a:endParaRPr sz="1600">
+            <a:r>
+              <a:rPr lang="pt-PT" sz="1600" dirty="0">
+                <a:latin typeface="Arial" panose="020B0604020202020204" pitchFamily="34" charset="0"/>
+                <a:cs typeface="Arial" panose="020B0604020202020204" pitchFamily="34" charset="0"/>
+              </a:rPr>
+              <a:t>hatsApp</a:t>
+            </a:r>
+            <a:endParaRPr sz="1600" dirty="0">
               <a:latin typeface="Arial" panose="020B0604020202020204" pitchFamily="34" charset="0"/>
               <a:cs typeface="Arial" panose="020B0604020202020204" pitchFamily="34" charset="0"/>
             </a:endParaRPr>
@@ -7099,13 +6814,20 @@
           <a:p>
             <a:pPr algn="ctr"/>
             <a:r>
-              <a:rPr lang="pt-PT" sz="1600">
+              <a:rPr lang="pt-BR" sz="1600" dirty="0">
                 <a:latin typeface="Arial" panose="020B0604020202020204" pitchFamily="34" charset="0"/>
                 <a:cs typeface="Arial" panose="020B0604020202020204" pitchFamily="34" charset="0"/>
               </a:rPr>
-              <a:t>Email</a:t>
+              <a:t>T</a:t>
             </a:r>
-            <a:endParaRPr sz="1600">
+            <a:r>
+              <a:rPr lang="pt-PT" sz="1600" dirty="0">
+                <a:latin typeface="Arial" panose="020B0604020202020204" pitchFamily="34" charset="0"/>
+                <a:cs typeface="Arial" panose="020B0604020202020204" pitchFamily="34" charset="0"/>
+              </a:rPr>
+              <a:t>witter</a:t>
+            </a:r>
+            <a:endParaRPr sz="1600" dirty="0">
               <a:latin typeface="Arial" panose="020B0604020202020204" pitchFamily="34" charset="0"/>
               <a:cs typeface="Arial" panose="020B0604020202020204" pitchFamily="34" charset="0"/>
             </a:endParaRPr>
@@ -7175,8 +6897,8 @@
         </p:nvCxnSpPr>
         <p:spPr>
           <a:xfrm flipV="1">
-            <a:off x="7994861" y="4838700"/>
-            <a:ext cx="832840" cy="755767"/>
+            <a:off x="7511785" y="4838700"/>
+            <a:ext cx="1315916" cy="289945"/>
           </a:xfrm>
           <a:prstGeom prst="straightConnector1">
             <a:avLst/>
@@ -7218,8 +6940,8 @@
         </p:nvCxnSpPr>
         <p:spPr>
           <a:xfrm>
-            <a:off x="7994861" y="5594467"/>
-            <a:ext cx="832840" cy="0"/>
+            <a:off x="7511785" y="5128645"/>
+            <a:ext cx="1315916" cy="465822"/>
           </a:xfrm>
           <a:prstGeom prst="straightConnector1">
             <a:avLst/>
@@ -7261,124 +6983,8 @@
         </p:nvCxnSpPr>
         <p:spPr>
           <a:xfrm>
-            <a:off x="7994861" y="5594467"/>
-            <a:ext cx="832840" cy="755766"/>
-          </a:xfrm>
-          <a:prstGeom prst="straightConnector1">
-            <a:avLst/>
-          </a:prstGeom>
-          <a:ln w="9525" cap="flat" cmpd="sng" algn="ctr">
-            <a:solidFill>
-              <a:schemeClr val="accent5"/>
-            </a:solidFill>
-            <a:prstDash val="solid"/>
-            <a:round/>
-            <a:headEnd type="none" w="med" len="med"/>
-            <a:tailEnd type="arrow" w="med" len="med"/>
-          </a:ln>
-        </p:spPr>
-        <p:style>
-          <a:lnRef idx="0">
-            <a:scrgbClr r="0" g="0" b="0"/>
-          </a:lnRef>
-          <a:fillRef idx="0">
-            <a:scrgbClr r="0" g="0" b="0"/>
-          </a:fillRef>
-          <a:effectRef idx="0">
-            <a:scrgbClr r="0" g="0" b="0"/>
-          </a:effectRef>
-          <a:fontRef idx="minor">
-            <a:schemeClr val="tx1"/>
-          </a:fontRef>
-        </p:style>
-      </p:cxnSp>
-      <p:sp>
-        <p:nvSpPr>
-          <p:cNvPr id="4" name="Google Shape;70;p13">
-            <a:extLst>
-              <a:ext uri="{FF2B5EF4-FFF2-40B4-BE49-F238E27FC236}">
-                <a16:creationId xmlns:a16="http://schemas.microsoft.com/office/drawing/2014/main" id="{AEBB20EF-AB98-918E-D2CF-0596000DDA9A}"/>
-              </a:ext>
-            </a:extLst>
-          </p:cNvPr>
-          <p:cNvSpPr/>
-          <p:nvPr/>
-        </p:nvSpPr>
-        <p:spPr>
-          <a:xfrm>
-            <a:off x="4301570" y="3831300"/>
-            <a:ext cx="1443200" cy="533600"/>
-          </a:xfrm>
-          <a:prstGeom prst="rect">
-            <a:avLst/>
-          </a:prstGeom>
-          <a:solidFill>
-            <a:schemeClr val="accent1">
-              <a:lumMod val="20000"/>
-              <a:lumOff val="80000"/>
-            </a:schemeClr>
-          </a:solidFill>
-          <a:ln w="9525" cap="flat" cmpd="sng">
-            <a:solidFill>
-              <a:schemeClr val="dk2"/>
-            </a:solidFill>
-            <a:prstDash val="solid"/>
-            <a:round/>
-            <a:headEnd type="none" w="sm" len="sm"/>
-            <a:tailEnd type="none" w="sm" len="sm"/>
-          </a:ln>
-        </p:spPr>
-        <p:txBody>
-          <a:bodyPr spcFirstLastPara="1" wrap="square" lIns="121900" tIns="121900" rIns="121900" bIns="121900" anchor="ctr" anchorCtr="0">
-            <a:noAutofit/>
-          </a:bodyPr>
-          <a:lstStyle/>
-          <a:p>
-            <a:pPr algn="ctr"/>
-            <a:r>
-              <a:rPr lang="pt-PT" sz="1600" dirty="0">
-                <a:latin typeface="Arial" panose="020B0604020202020204" pitchFamily="34" charset="0"/>
-                <a:cs typeface="Arial" panose="020B0604020202020204" pitchFamily="34" charset="0"/>
-              </a:rPr>
-              <a:t>Contact me</a:t>
-            </a:r>
-          </a:p>
-          <a:p>
-            <a:pPr algn="ctr"/>
-            <a:r>
-              <a:rPr lang="pt-PT" sz="1600" dirty="0">
-                <a:latin typeface="Arial" panose="020B0604020202020204" pitchFamily="34" charset="0"/>
-                <a:cs typeface="Arial" panose="020B0604020202020204" pitchFamily="34" charset="0"/>
-              </a:rPr>
-              <a:t>form</a:t>
-            </a:r>
-            <a:endParaRPr sz="1600" dirty="0">
-              <a:latin typeface="Arial" panose="020B0604020202020204" pitchFamily="34" charset="0"/>
-              <a:cs typeface="Arial" panose="020B0604020202020204" pitchFamily="34" charset="0"/>
-            </a:endParaRPr>
-          </a:p>
-        </p:txBody>
-      </p:sp>
-      <p:cxnSp>
-        <p:nvCxnSpPr>
-          <p:cNvPr id="5" name="Google Shape;64;p13">
-            <a:extLst>
-              <a:ext uri="{FF2B5EF4-FFF2-40B4-BE49-F238E27FC236}">
-                <a16:creationId xmlns:a16="http://schemas.microsoft.com/office/drawing/2014/main" id="{E5ECA99D-C87D-FA2B-51DE-4FF276026D66}"/>
-              </a:ext>
-            </a:extLst>
-          </p:cNvPr>
-          <p:cNvCxnSpPr>
-            <a:cxnSpLocks/>
-            <a:stCxn id="62" idx="2"/>
-            <a:endCxn id="4" idx="3"/>
-          </p:cNvCxnSpPr>
-          <p:nvPr/>
-        </p:nvCxnSpPr>
-        <p:spPr>
-          <a:xfrm flipH="1">
-            <a:off x="5744770" y="3342752"/>
-            <a:ext cx="3623263" cy="755348"/>
+            <a:off x="7511785" y="5128645"/>
+            <a:ext cx="1315916" cy="1221588"/>
           </a:xfrm>
           <a:prstGeom prst="straightConnector1">
             <a:avLst/>
@@ -7410,24 +7016,22 @@
       </p:cxnSp>
       <p:cxnSp>
         <p:nvCxnSpPr>
-          <p:cNvPr id="9" name="Google Shape;63;p13">
+          <p:cNvPr id="5" name="Google Shape;64;p13">
             <a:extLst>
               <a:ext uri="{FF2B5EF4-FFF2-40B4-BE49-F238E27FC236}">
-                <a16:creationId xmlns:a16="http://schemas.microsoft.com/office/drawing/2014/main" id="{55FFADA9-E000-4219-A4F4-2D65829973FF}"/>
+                <a16:creationId xmlns:a16="http://schemas.microsoft.com/office/drawing/2014/main" id="{E5ECA99D-C87D-FA2B-51DE-4FF276026D66}"/>
               </a:ext>
             </a:extLst>
           </p:cNvPr>
           <p:cNvCxnSpPr>
             <a:cxnSpLocks/>
-            <a:stCxn id="4" idx="1"/>
-            <a:endCxn id="70" idx="3"/>
           </p:cNvCxnSpPr>
           <p:nvPr/>
         </p:nvCxnSpPr>
         <p:spPr>
           <a:xfrm flipH="1">
-            <a:off x="3750365" y="4098100"/>
-            <a:ext cx="551205" cy="0"/>
+            <a:off x="5759147" y="3387120"/>
+            <a:ext cx="2376716" cy="731339"/>
           </a:xfrm>
           <a:prstGeom prst="straightConnector1">
             <a:avLst/>
@@ -7438,7 +7042,7 @@
             </a:solidFill>
             <a:prstDash val="solid"/>
             <a:round/>
-            <a:headEnd type="arrow" w="med" len="med"/>
+            <a:headEnd type="none" w="med" len="med"/>
             <a:tailEnd type="arrow" w="med" len="med"/>
           </a:ln>
         </p:spPr>
@@ -9829,6 +9433,247 @@
           </p:txBody>
         </p:sp>
       </p:grpSp>
+      <p:cxnSp>
+        <p:nvCxnSpPr>
+          <p:cNvPr id="6" name="Google Shape;64;p13">
+            <a:extLst>
+              <a:ext uri="{FF2B5EF4-FFF2-40B4-BE49-F238E27FC236}">
+                <a16:creationId xmlns:a16="http://schemas.microsoft.com/office/drawing/2014/main" id="{58A547DB-2856-BD99-6BB1-71A076E75A1F}"/>
+              </a:ext>
+            </a:extLst>
+          </p:cNvPr>
+          <p:cNvCxnSpPr>
+            <a:cxnSpLocks/>
+          </p:cNvCxnSpPr>
+          <p:nvPr/>
+        </p:nvCxnSpPr>
+        <p:spPr>
+          <a:xfrm flipH="1">
+            <a:off x="4980713" y="1754527"/>
+            <a:ext cx="1809472" cy="1052800"/>
+          </a:xfrm>
+          <a:prstGeom prst="straightConnector1">
+            <a:avLst/>
+          </a:prstGeom>
+          <a:ln w="9525" cap="flat" cmpd="sng" algn="ctr">
+            <a:solidFill>
+              <a:schemeClr val="accent5"/>
+            </a:solidFill>
+            <a:prstDash val="solid"/>
+            <a:round/>
+            <a:headEnd type="none" w="med" len="med"/>
+            <a:tailEnd type="arrow" w="med" len="med"/>
+          </a:ln>
+        </p:spPr>
+        <p:style>
+          <a:lnRef idx="0">
+            <a:scrgbClr r="0" g="0" b="0"/>
+          </a:lnRef>
+          <a:fillRef idx="0">
+            <a:scrgbClr r="0" g="0" b="0"/>
+          </a:fillRef>
+          <a:effectRef idx="0">
+            <a:scrgbClr r="0" g="0" b="0"/>
+          </a:effectRef>
+          <a:fontRef idx="minor">
+            <a:schemeClr val="tx1"/>
+          </a:fontRef>
+        </p:style>
+      </p:cxnSp>
+      <p:cxnSp>
+        <p:nvCxnSpPr>
+          <p:cNvPr id="33" name="Google Shape;78;p13">
+            <a:extLst>
+              <a:ext uri="{FF2B5EF4-FFF2-40B4-BE49-F238E27FC236}">
+                <a16:creationId xmlns:a16="http://schemas.microsoft.com/office/drawing/2014/main" id="{87AFA046-2793-2E10-DA03-2CC2F0E47311}"/>
+              </a:ext>
+            </a:extLst>
+          </p:cNvPr>
+          <p:cNvCxnSpPr>
+            <a:cxnSpLocks/>
+            <a:stCxn id="73" idx="3"/>
+            <a:endCxn id="70" idx="1"/>
+          </p:cNvCxnSpPr>
+          <p:nvPr/>
+        </p:nvCxnSpPr>
+        <p:spPr>
+          <a:xfrm flipV="1">
+            <a:off x="7511785" y="4099272"/>
+            <a:ext cx="1331301" cy="1029373"/>
+          </a:xfrm>
+          <a:prstGeom prst="straightConnector1">
+            <a:avLst/>
+          </a:prstGeom>
+          <a:ln w="9525" cap="flat" cmpd="sng" algn="ctr">
+            <a:solidFill>
+              <a:schemeClr val="accent5"/>
+            </a:solidFill>
+            <a:prstDash val="solid"/>
+            <a:round/>
+            <a:headEnd type="none" w="med" len="med"/>
+            <a:tailEnd type="arrow" w="med" len="med"/>
+          </a:ln>
+        </p:spPr>
+        <p:style>
+          <a:lnRef idx="0">
+            <a:scrgbClr r="0" g="0" b="0"/>
+          </a:lnRef>
+          <a:fillRef idx="0">
+            <a:scrgbClr r="0" g="0" b="0"/>
+          </a:fillRef>
+          <a:effectRef idx="0">
+            <a:scrgbClr r="0" g="0" b="0"/>
+          </a:effectRef>
+          <a:fontRef idx="minor">
+            <a:schemeClr val="tx1"/>
+          </a:fontRef>
+        </p:style>
+      </p:cxnSp>
+      <p:cxnSp>
+        <p:nvCxnSpPr>
+          <p:cNvPr id="38" name="Conector de Seta Reta 37">
+            <a:extLst>
+              <a:ext uri="{FF2B5EF4-FFF2-40B4-BE49-F238E27FC236}">
+                <a16:creationId xmlns:a16="http://schemas.microsoft.com/office/drawing/2014/main" id="{B7E82F49-AAFC-2B56-6EDF-B757469243C6}"/>
+              </a:ext>
+            </a:extLst>
+          </p:cNvPr>
+          <p:cNvCxnSpPr/>
+          <p:nvPr/>
+        </p:nvCxnSpPr>
+        <p:spPr>
+          <a:xfrm>
+            <a:off x="5887287" y="1472233"/>
+            <a:ext cx="444113" cy="0"/>
+          </a:xfrm>
+          <a:prstGeom prst="straightConnector1">
+            <a:avLst/>
+          </a:prstGeom>
+          <a:ln>
+            <a:tailEnd type="triangle"/>
+          </a:ln>
+        </p:spPr>
+        <p:style>
+          <a:lnRef idx="1">
+            <a:schemeClr val="accent1"/>
+          </a:lnRef>
+          <a:fillRef idx="0">
+            <a:schemeClr val="accent1"/>
+          </a:fillRef>
+          <a:effectRef idx="0">
+            <a:schemeClr val="accent1"/>
+          </a:effectRef>
+          <a:fontRef idx="minor">
+            <a:schemeClr val="tx1"/>
+          </a:fontRef>
+        </p:style>
+      </p:cxnSp>
+      <p:sp>
+        <p:nvSpPr>
+          <p:cNvPr id="39" name="Google Shape;59;p13">
+            <a:extLst>
+              <a:ext uri="{FF2B5EF4-FFF2-40B4-BE49-F238E27FC236}">
+                <a16:creationId xmlns:a16="http://schemas.microsoft.com/office/drawing/2014/main" id="{5DB0B9ED-CCAD-40A6-1282-7CAE51246EAD}"/>
+              </a:ext>
+            </a:extLst>
+          </p:cNvPr>
+          <p:cNvSpPr/>
+          <p:nvPr/>
+        </p:nvSpPr>
+        <p:spPr>
+          <a:xfrm>
+            <a:off x="4301570" y="3854918"/>
+            <a:ext cx="1443200" cy="533600"/>
+          </a:xfrm>
+          <a:prstGeom prst="rect">
+            <a:avLst/>
+          </a:prstGeom>
+          <a:solidFill>
+            <a:schemeClr val="accent1">
+              <a:lumMod val="20000"/>
+              <a:lumOff val="80000"/>
+            </a:schemeClr>
+          </a:solidFill>
+          <a:ln w="9525" cap="flat" cmpd="sng">
+            <a:solidFill>
+              <a:schemeClr val="dk2"/>
+            </a:solidFill>
+            <a:prstDash val="solid"/>
+            <a:round/>
+            <a:headEnd type="none" w="sm" len="sm"/>
+            <a:tailEnd type="none" w="sm" len="sm"/>
+          </a:ln>
+        </p:spPr>
+        <p:txBody>
+          <a:bodyPr spcFirstLastPara="1" wrap="square" lIns="121900" tIns="121900" rIns="121900" bIns="121900" anchor="ctr" anchorCtr="0">
+            <a:noAutofit/>
+          </a:bodyPr>
+          <a:lstStyle/>
+          <a:p>
+            <a:pPr algn="ctr"/>
+            <a:r>
+              <a:rPr lang="pt-BR" sz="1600" dirty="0" err="1">
+                <a:latin typeface="Arial" panose="020B0604020202020204" pitchFamily="34" charset="0"/>
+                <a:cs typeface="Arial" panose="020B0604020202020204" pitchFamily="34" charset="0"/>
+              </a:rPr>
+              <a:t>Mid-Section</a:t>
+            </a:r>
+            <a:endParaRPr sz="1600" dirty="0">
+              <a:latin typeface="Arial" panose="020B0604020202020204" pitchFamily="34" charset="0"/>
+              <a:cs typeface="Arial" panose="020B0604020202020204" pitchFamily="34" charset="0"/>
+            </a:endParaRPr>
+          </a:p>
+        </p:txBody>
+      </p:sp>
+      <p:cxnSp>
+        <p:nvCxnSpPr>
+          <p:cNvPr id="40" name="Google Shape;64;p13">
+            <a:extLst>
+              <a:ext uri="{FF2B5EF4-FFF2-40B4-BE49-F238E27FC236}">
+                <a16:creationId xmlns:a16="http://schemas.microsoft.com/office/drawing/2014/main" id="{DB1AA5DD-9FA9-3060-9558-0295D8B47722}"/>
+              </a:ext>
+            </a:extLst>
+          </p:cNvPr>
+          <p:cNvCxnSpPr>
+            <a:cxnSpLocks/>
+            <a:stCxn id="39" idx="1"/>
+            <a:endCxn id="67" idx="3"/>
+          </p:cNvCxnSpPr>
+          <p:nvPr/>
+        </p:nvCxnSpPr>
+        <p:spPr>
+          <a:xfrm flipH="1" flipV="1">
+            <a:off x="3622392" y="4118459"/>
+            <a:ext cx="679178" cy="3259"/>
+          </a:xfrm>
+          <a:prstGeom prst="straightConnector1">
+            <a:avLst/>
+          </a:prstGeom>
+          <a:ln w="9525" cap="flat" cmpd="sng" algn="ctr">
+            <a:solidFill>
+              <a:schemeClr val="accent5"/>
+            </a:solidFill>
+            <a:prstDash val="solid"/>
+            <a:round/>
+            <a:headEnd type="none" w="med" len="med"/>
+            <a:tailEnd type="arrow" w="med" len="med"/>
+          </a:ln>
+        </p:spPr>
+        <p:style>
+          <a:lnRef idx="0">
+            <a:scrgbClr r="0" g="0" b="0"/>
+          </a:lnRef>
+          <a:fillRef idx="0">
+            <a:scrgbClr r="0" g="0" b="0"/>
+          </a:fillRef>
+          <a:effectRef idx="0">
+            <a:scrgbClr r="0" g="0" b="0"/>
+          </a:effectRef>
+          <a:fontRef idx="minor">
+            <a:schemeClr val="tx1"/>
+          </a:fontRef>
+        </p:style>
+      </p:cxnSp>
     </p:spTree>
   </p:cSld>
   <p:clrMapOvr>
@@ -23749,7 +23594,7 @@
                 </a:solidFill>
                 <a:cs typeface="Arial" pitchFamily="34" charset="0"/>
               </a:rPr>
-              <a:t>Logotipo do website com foco em mim</a:t>
+              <a:t>Logotipo do website</a:t>
             </a:r>
             <a:endParaRPr lang="ko-KR" altLang="en-US" sz="1200" b="1" dirty="0">
               <a:solidFill>
@@ -26899,34 +26744,6 @@
           </a:p>
         </p:txBody>
       </p:sp>
-      <p:graphicFrame>
-        <p:nvGraphicFramePr>
-          <p:cNvPr id="38" name="Chart 21">
-            <a:extLst>
-              <a:ext uri="{FF2B5EF4-FFF2-40B4-BE49-F238E27FC236}">
-                <a16:creationId xmlns:a16="http://schemas.microsoft.com/office/drawing/2014/main" id="{D03E93D4-F6A1-4B2A-AC2A-A046771C5CA2}"/>
-              </a:ext>
-            </a:extLst>
-          </p:cNvPr>
-          <p:cNvGraphicFramePr/>
-          <p:nvPr>
-            <p:extLst>
-              <p:ext uri="{D42A27DB-BD31-4B8C-83A1-F6EECF244321}">
-                <p14:modId xmlns:p14="http://schemas.microsoft.com/office/powerpoint/2010/main" val="2158303968"/>
-              </p:ext>
-            </p:extLst>
-          </p:nvPr>
-        </p:nvGraphicFramePr>
-        <p:xfrm>
-          <a:off x="5316604" y="4629585"/>
-          <a:ext cx="2218782" cy="2008259"/>
-        </p:xfrm>
-        <a:graphic>
-          <a:graphicData uri="http://schemas.openxmlformats.org/drawingml/2006/chart">
-            <c:chart xmlns:c="http://schemas.openxmlformats.org/drawingml/2006/chart" xmlns:r="http://schemas.openxmlformats.org/officeDocument/2006/relationships" r:id="rId2"/>
-          </a:graphicData>
-        </a:graphic>
-      </p:graphicFrame>
       <p:sp>
         <p:nvSpPr>
           <p:cNvPr id="4" name="직사각형 3">
@@ -27057,7 +26874,7 @@
             <p:nvPr>
               <p:extLst>
                 <p:ext uri="{D42A27DB-BD31-4B8C-83A1-F6EECF244321}">
-                  <p14:modId xmlns:p14="http://schemas.microsoft.com/office/powerpoint/2010/main" val="2133757169"/>
+                  <p14:modId xmlns:p14="http://schemas.microsoft.com/office/powerpoint/2010/main" val="556546348"/>
                 </p:ext>
               </p:extLst>
             </p:nvPr>
@@ -27068,7 +26885,7 @@
           </p:xfrm>
           <a:graphic>
             <a:graphicData uri="http://schemas.openxmlformats.org/drawingml/2006/chart">
-              <c:chart xmlns:c="http://schemas.openxmlformats.org/drawingml/2006/chart" xmlns:r="http://schemas.openxmlformats.org/officeDocument/2006/relationships" r:id="rId3"/>
+              <c:chart xmlns:c="http://schemas.openxmlformats.org/drawingml/2006/chart" xmlns:r="http://schemas.openxmlformats.org/officeDocument/2006/relationships" r:id="rId2"/>
             </a:graphicData>
           </a:graphic>
         </p:graphicFrame>
@@ -27086,66 +26903,12 @@
           </p:nvGrpSpPr>
           <p:grpSpPr>
             <a:xfrm>
-              <a:off x="9907507" y="1245923"/>
-              <a:ext cx="181009" cy="1220916"/>
-              <a:chOff x="9907507" y="1245923"/>
-              <a:chExt cx="181009" cy="1220916"/>
+              <a:off x="9907507" y="1667625"/>
+              <a:ext cx="181009" cy="799214"/>
+              <a:chOff x="9907507" y="1667625"/>
+              <a:chExt cx="181009" cy="799214"/>
             </a:xfrm>
           </p:grpSpPr>
-          <p:sp>
-            <p:nvSpPr>
-              <p:cNvPr id="13" name="Isosceles Triangle 12">
-                <a:extLst>
-                  <a:ext uri="{FF2B5EF4-FFF2-40B4-BE49-F238E27FC236}">
-                    <a16:creationId xmlns:a16="http://schemas.microsoft.com/office/drawing/2014/main" id="{FDAEB86B-B1F9-4FEE-A9B8-BDE71AA1C299}"/>
-                  </a:ext>
-                </a:extLst>
-              </p:cNvPr>
-              <p:cNvSpPr/>
-              <p:nvPr/>
-            </p:nvSpPr>
-            <p:spPr>
-              <a:xfrm rot="5400000">
-                <a:off x="9909788" y="1243642"/>
-                <a:ext cx="175438" cy="180000"/>
-              </a:xfrm>
-              <a:prstGeom prst="triangle">
-                <a:avLst/>
-              </a:prstGeom>
-              <a:solidFill>
-                <a:schemeClr val="bg1">
-                  <a:lumMod val="85000"/>
-                </a:schemeClr>
-              </a:solidFill>
-              <a:ln>
-                <a:noFill/>
-              </a:ln>
-            </p:spPr>
-            <p:style>
-              <a:lnRef idx="2">
-                <a:schemeClr val="accent1">
-                  <a:shade val="50000"/>
-                </a:schemeClr>
-              </a:lnRef>
-              <a:fillRef idx="1">
-                <a:schemeClr val="accent1"/>
-              </a:fillRef>
-              <a:effectRef idx="0">
-                <a:schemeClr val="accent1"/>
-              </a:effectRef>
-              <a:fontRef idx="minor">
-                <a:schemeClr val="lt1"/>
-              </a:fontRef>
-            </p:style>
-            <p:txBody>
-              <a:bodyPr rtlCol="0" anchor="ctr"/>
-              <a:lstStyle/>
-              <a:p>
-                <a:pPr algn="ctr"/>
-                <a:endParaRPr lang="ko-KR" altLang="en-US" sz="2700" dirty="0"/>
-              </a:p>
-            </p:txBody>
-          </p:sp>
           <p:sp>
             <p:nvSpPr>
               <p:cNvPr id="14" name="Isosceles Triangle 13">
@@ -27167,7 +26930,7 @@
                 <a:avLst/>
               </a:prstGeom>
               <a:solidFill>
-                <a:schemeClr val="accent2"/>
+                <a:srgbClr val="800080"/>
               </a:solidFill>
               <a:ln>
                 <a:noFill/>
@@ -27219,7 +26982,7 @@
                 <a:avLst/>
               </a:prstGeom>
               <a:solidFill>
-                <a:schemeClr val="accent3"/>
+                <a:srgbClr val="7030A0"/>
               </a:solidFill>
               <a:ln>
                 <a:noFill/>
@@ -27252,170 +27015,6 @@
           </p:sp>
         </p:grpSp>
       </p:grpSp>
-      <p:sp>
-        <p:nvSpPr>
-          <p:cNvPr id="21" name="TextBox 20">
-            <a:extLst>
-              <a:ext uri="{FF2B5EF4-FFF2-40B4-BE49-F238E27FC236}">
-                <a16:creationId xmlns:a16="http://schemas.microsoft.com/office/drawing/2014/main" id="{4BE9D9B2-0E67-4484-9909-56AAEF01077B}"/>
-              </a:ext>
-            </a:extLst>
-          </p:cNvPr>
-          <p:cNvSpPr txBox="1"/>
-          <p:nvPr/>
-        </p:nvSpPr>
-        <p:spPr>
-          <a:xfrm>
-            <a:off x="4903310" y="2343419"/>
-            <a:ext cx="1876116" cy="276999"/>
-          </a:xfrm>
-          <a:prstGeom prst="rect">
-            <a:avLst/>
-          </a:prstGeom>
-          <a:noFill/>
-        </p:spPr>
-        <p:txBody>
-          <a:bodyPr wrap="square" rtlCol="0">
-            <a:spAutoFit/>
-          </a:bodyPr>
-          <a:lstStyle/>
-          <a:p>
-            <a:r>
-              <a:rPr lang="en-US" altLang="ko-KR" sz="1200" dirty="0" err="1">
-                <a:solidFill>
-                  <a:schemeClr val="tx1">
-                    <a:lumMod val="75000"/>
-                    <a:lumOff val="25000"/>
-                  </a:schemeClr>
-                </a:solidFill>
-                <a:cs typeface="Arial" pitchFamily="34" charset="0"/>
-              </a:rPr>
-              <a:t>Texto</a:t>
-            </a:r>
-            <a:r>
-              <a:rPr lang="en-US" altLang="ko-KR" sz="1200" dirty="0">
-                <a:solidFill>
-                  <a:schemeClr val="tx1">
-                    <a:lumMod val="75000"/>
-                    <a:lumOff val="25000"/>
-                  </a:schemeClr>
-                </a:solidFill>
-                <a:cs typeface="Arial" pitchFamily="34" charset="0"/>
-              </a:rPr>
-              <a:t> </a:t>
-            </a:r>
-            <a:r>
-              <a:rPr lang="en-US" altLang="ko-KR" sz="1200" dirty="0" err="1">
-                <a:solidFill>
-                  <a:schemeClr val="tx1">
-                    <a:lumMod val="75000"/>
-                    <a:lumOff val="25000"/>
-                  </a:schemeClr>
-                </a:solidFill>
-                <a:cs typeface="Arial" pitchFamily="34" charset="0"/>
-              </a:rPr>
-              <a:t>em</a:t>
-            </a:r>
-            <a:r>
-              <a:rPr lang="en-US" altLang="ko-KR" sz="1200" dirty="0">
-                <a:solidFill>
-                  <a:schemeClr val="tx1">
-                    <a:lumMod val="75000"/>
-                    <a:lumOff val="25000"/>
-                  </a:schemeClr>
-                </a:solidFill>
-                <a:cs typeface="Arial" pitchFamily="34" charset="0"/>
-              </a:rPr>
-              <a:t> </a:t>
-            </a:r>
-            <a:r>
-              <a:rPr lang="en-US" altLang="ko-KR" sz="1200" dirty="0" err="1">
-                <a:solidFill>
-                  <a:schemeClr val="tx1">
-                    <a:lumMod val="75000"/>
-                    <a:lumOff val="25000"/>
-                  </a:schemeClr>
-                </a:solidFill>
-                <a:cs typeface="Arial" pitchFamily="34" charset="0"/>
-              </a:rPr>
-              <a:t>preto</a:t>
-            </a:r>
-            <a:endParaRPr lang="en-US" altLang="ko-KR" sz="1200" dirty="0">
-              <a:solidFill>
-                <a:schemeClr val="tx1">
-                  <a:lumMod val="75000"/>
-                  <a:lumOff val="25000"/>
-                </a:schemeClr>
-              </a:solidFill>
-              <a:cs typeface="Arial" pitchFamily="34" charset="0"/>
-            </a:endParaRPr>
-          </a:p>
-        </p:txBody>
-      </p:sp>
-      <p:sp>
-        <p:nvSpPr>
-          <p:cNvPr id="22" name="TextBox 21">
-            <a:extLst>
-              <a:ext uri="{FF2B5EF4-FFF2-40B4-BE49-F238E27FC236}">
-                <a16:creationId xmlns:a16="http://schemas.microsoft.com/office/drawing/2014/main" id="{C344B588-06AC-4375-99BE-5EB0917E5F51}"/>
-              </a:ext>
-            </a:extLst>
-          </p:cNvPr>
-          <p:cNvSpPr txBox="1"/>
-          <p:nvPr/>
-        </p:nvSpPr>
-        <p:spPr>
-          <a:xfrm>
-            <a:off x="4881296" y="1888586"/>
-            <a:ext cx="1876116" cy="276999"/>
-          </a:xfrm>
-          <a:prstGeom prst="rect">
-            <a:avLst/>
-          </a:prstGeom>
-          <a:noFill/>
-        </p:spPr>
-        <p:txBody>
-          <a:bodyPr wrap="square" rtlCol="0">
-            <a:spAutoFit/>
-          </a:bodyPr>
-          <a:lstStyle/>
-          <a:p>
-            <a:r>
-              <a:rPr lang="en-US" altLang="ko-KR" sz="1200" dirty="0">
-                <a:solidFill>
-                  <a:schemeClr val="tx1">
-                    <a:lumMod val="75000"/>
-                    <a:lumOff val="25000"/>
-                  </a:schemeClr>
-                </a:solidFill>
-                <a:cs typeface="Arial" pitchFamily="34" charset="0"/>
-              </a:rPr>
-              <a:t>Tom </a:t>
-            </a:r>
-            <a:r>
-              <a:rPr lang="en-US" altLang="ko-KR" sz="1200" dirty="0" err="1">
-                <a:solidFill>
-                  <a:schemeClr val="tx1">
-                    <a:lumMod val="75000"/>
-                    <a:lumOff val="25000"/>
-                  </a:schemeClr>
-                </a:solidFill>
-                <a:cs typeface="Arial" pitchFamily="34" charset="0"/>
-              </a:rPr>
-              <a:t>branco</a:t>
-            </a:r>
-            <a:endParaRPr lang="en-US" altLang="ko-KR" sz="1200" dirty="0">
-              <a:solidFill>
-                <a:schemeClr val="tx1">
-                  <a:lumMod val="75000"/>
-                  <a:lumOff val="25000"/>
-                </a:schemeClr>
-              </a:solidFill>
-              <a:cs typeface="Arial" pitchFamily="34" charset="0"/>
-            </a:endParaRPr>
-          </a:p>
-        </p:txBody>
-      </p:sp>
       <p:sp>
         <p:nvSpPr>
           <p:cNvPr id="57" name="Freeform: Shape 56">
@@ -27726,10 +27325,10 @@
       </p:sp>
       <p:sp>
         <p:nvSpPr>
-          <p:cNvPr id="2" name="TextBox 20">
+          <p:cNvPr id="6" name="CaixaDeTexto 5">
             <a:extLst>
               <a:ext uri="{FF2B5EF4-FFF2-40B4-BE49-F238E27FC236}">
-                <a16:creationId xmlns:a16="http://schemas.microsoft.com/office/drawing/2014/main" id="{51619F83-1023-6AD8-168A-D1B4DC123832}"/>
+                <a16:creationId xmlns:a16="http://schemas.microsoft.com/office/drawing/2014/main" id="{20908500-C54E-8DDA-0969-C6ECF52D9C8A}"/>
               </a:ext>
             </a:extLst>
           </p:cNvPr>
@@ -27738,8 +27337,8 @@
         </p:nvSpPr>
         <p:spPr>
           <a:xfrm>
-            <a:off x="4895972" y="3250685"/>
-            <a:ext cx="1876116" cy="461665"/>
+            <a:off x="5162498" y="2459651"/>
+            <a:ext cx="6103188" cy="1231106"/>
           </a:xfrm>
           <a:prstGeom prst="rect">
             <a:avLst/>
@@ -27747,56 +27346,67 @@
           <a:noFill/>
         </p:spPr>
         <p:txBody>
-          <a:bodyPr wrap="square" rtlCol="0">
+          <a:bodyPr wrap="square">
             <a:spAutoFit/>
           </a:bodyPr>
           <a:lstStyle/>
           <a:p>
             <a:r>
-              <a:rPr lang="en-US" altLang="ko-KR" sz="1200" dirty="0" err="1">
-                <a:solidFill>
-                  <a:schemeClr val="tx1">
-                    <a:lumMod val="75000"/>
-                    <a:lumOff val="25000"/>
-                  </a:schemeClr>
-                </a:solidFill>
-                <a:cs typeface="Arial" pitchFamily="34" charset="0"/>
+              <a:rPr lang="en-GB" sz="2000" b="0" i="0" dirty="0" err="1">
+                <a:effectLst/>
+                <a:latin typeface="Cascadia Code ExtraLight" panose="020B0609020000020004" pitchFamily="49" charset="0"/>
+                <a:ea typeface="Cascadia Code ExtraLight" panose="020B0609020000020004" pitchFamily="49" charset="0"/>
+                <a:cs typeface="Cascadia Code ExtraLight" panose="020B0609020000020004" pitchFamily="49" charset="0"/>
               </a:rPr>
-              <a:t>Amarelo</a:t>
+              <a:t>Escolha</a:t>
             </a:r>
             <a:r>
-              <a:rPr lang="en-US" altLang="ko-KR" sz="1200" dirty="0">
-                <a:solidFill>
-                  <a:schemeClr val="tx1">
-                    <a:lumMod val="75000"/>
-                    <a:lumOff val="25000"/>
-                  </a:schemeClr>
-                </a:solidFill>
-                <a:cs typeface="Arial" pitchFamily="34" charset="0"/>
+              <a:rPr lang="en-GB" sz="2000" b="0" i="0" dirty="0">
+                <a:effectLst/>
+                <a:latin typeface="Cascadia Code ExtraLight" panose="020B0609020000020004" pitchFamily="49" charset="0"/>
+                <a:ea typeface="Cascadia Code ExtraLight" panose="020B0609020000020004" pitchFamily="49" charset="0"/>
+                <a:cs typeface="Cascadia Code ExtraLight" panose="020B0609020000020004" pitchFamily="49" charset="0"/>
               </a:rPr>
-              <a:t> para </a:t>
+              <a:t> de cores</a:t>
+            </a:r>
+          </a:p>
+          <a:p>
+            <a:endParaRPr lang="en-GB" dirty="0">
+              <a:latin typeface="consolas" panose="020B0609020204030204" pitchFamily="49" charset="0"/>
+            </a:endParaRPr>
+          </a:p>
+          <a:p>
+            <a:r>
+              <a:rPr lang="en-GB" b="0" i="0" dirty="0">
+                <a:effectLst/>
+              </a:rPr>
+              <a:t>Background </a:t>
             </a:r>
             <a:r>
-              <a:rPr lang="en-US" altLang="ko-KR" sz="1200" dirty="0" err="1">
-                <a:solidFill>
-                  <a:schemeClr val="tx1">
-                    <a:lumMod val="75000"/>
-                    <a:lumOff val="25000"/>
-                  </a:schemeClr>
-                </a:solidFill>
-                <a:cs typeface="Arial" pitchFamily="34" charset="0"/>
+              <a:rPr lang="en-GB" b="0" i="0" dirty="0" err="1">
+                <a:effectLst/>
               </a:rPr>
-              <a:t>preenchimentos</a:t>
+              <a:t>color</a:t>
             </a:r>
-            <a:endParaRPr lang="en-US" altLang="ko-KR" sz="1200" dirty="0">
-              <a:solidFill>
-                <a:schemeClr val="tx1">
-                  <a:lumMod val="75000"/>
-                  <a:lumOff val="25000"/>
-                </a:schemeClr>
-              </a:solidFill>
-              <a:cs typeface="Arial" pitchFamily="34" charset="0"/>
-            </a:endParaRPr>
+            <a:r>
+              <a:rPr lang="en-GB" b="0" i="0" dirty="0">
+                <a:effectLst/>
+              </a:rPr>
+              <a:t>: </a:t>
+            </a:r>
+            <a:r>
+              <a:rPr lang="en-GB" b="0" i="0" u="sng" dirty="0">
+                <a:effectLst/>
+              </a:rPr>
+              <a:t>linear-gradient (to right, #ad5389, #91407c, #752f6f, #591f61, #3c1053)</a:t>
+            </a:r>
+            <a:r>
+              <a:rPr lang="en-GB" b="0" i="0" dirty="0">
+                <a:effectLst/>
+              </a:rPr>
+              <a:t>;</a:t>
+            </a:r>
+            <a:endParaRPr lang="pt-PT" dirty="0"/>
           </a:p>
         </p:txBody>
       </p:sp>
